--- a/SIG Pertemuan IV.pptx
+++ b/SIG Pertemuan IV.pptx
@@ -16,9 +16,15 @@
     <p:sldId id="264" r:id="rId10"/>
     <p:sldId id="265" r:id="rId11"/>
     <p:sldId id="266" r:id="rId12"/>
-    <p:sldId id="267" r:id="rId13"/>
-    <p:sldId id="268" r:id="rId14"/>
-    <p:sldId id="269" r:id="rId15"/>
+    <p:sldId id="270" r:id="rId13"/>
+    <p:sldId id="272" r:id="rId14"/>
+    <p:sldId id="271" r:id="rId15"/>
+    <p:sldId id="273" r:id="rId16"/>
+    <p:sldId id="274" r:id="rId17"/>
+    <p:sldId id="267" r:id="rId18"/>
+    <p:sldId id="275" r:id="rId19"/>
+    <p:sldId id="268" r:id="rId20"/>
+    <p:sldId id="269" r:id="rId21"/>
   </p:sldIdLst>
   <p:sldSz cx="12192000" cy="6858000"/>
   <p:notesSz cx="6858000" cy="9144000"/>
@@ -117,6 +123,11 @@
       </a:defRPr>
     </a:lvl9pPr>
   </p:defaultTextStyle>
+  <p:extLst>
+    <p:ext uri="{EFAFB233-063F-42B5-8137-9DF3F51BA10A}">
+      <p15:sldGuideLst xmlns:p15="http://schemas.microsoft.com/office/powerpoint/2012/main"/>
+    </p:ext>
+  </p:extLst>
 </p:presentation>
 </file>
 
@@ -251,7 +262,7 @@
           <a:p>
             <a:fld id="{C671CAD0-D691-40B4-9201-ED637D495F15}" type="datetimeFigureOut">
               <a:rPr lang="en-US" smtClean="0"/>
-              <a:t>10/25/2018</a:t>
+              <a:t>10/31/2019</a:t>
             </a:fld>
             <a:endParaRPr lang="en-US"/>
           </a:p>
@@ -421,7 +432,7 @@
           <a:p>
             <a:fld id="{C671CAD0-D691-40B4-9201-ED637D495F15}" type="datetimeFigureOut">
               <a:rPr lang="en-US" smtClean="0"/>
-              <a:t>10/25/2018</a:t>
+              <a:t>10/31/2019</a:t>
             </a:fld>
             <a:endParaRPr lang="en-US"/>
           </a:p>
@@ -601,7 +612,7 @@
           <a:p>
             <a:fld id="{C671CAD0-D691-40B4-9201-ED637D495F15}" type="datetimeFigureOut">
               <a:rPr lang="en-US" smtClean="0"/>
-              <a:t>10/25/2018</a:t>
+              <a:t>10/31/2019</a:t>
             </a:fld>
             <a:endParaRPr lang="en-US"/>
           </a:p>
@@ -771,7 +782,7 @@
           <a:p>
             <a:fld id="{C671CAD0-D691-40B4-9201-ED637D495F15}" type="datetimeFigureOut">
               <a:rPr lang="en-US" smtClean="0"/>
-              <a:t>10/25/2018</a:t>
+              <a:t>10/31/2019</a:t>
             </a:fld>
             <a:endParaRPr lang="en-US"/>
           </a:p>
@@ -1017,7 +1028,7 @@
           <a:p>
             <a:fld id="{C671CAD0-D691-40B4-9201-ED637D495F15}" type="datetimeFigureOut">
               <a:rPr lang="en-US" smtClean="0"/>
-              <a:t>10/25/2018</a:t>
+              <a:t>10/31/2019</a:t>
             </a:fld>
             <a:endParaRPr lang="en-US"/>
           </a:p>
@@ -1249,7 +1260,7 @@
           <a:p>
             <a:fld id="{C671CAD0-D691-40B4-9201-ED637D495F15}" type="datetimeFigureOut">
               <a:rPr lang="en-US" smtClean="0"/>
-              <a:t>10/25/2018</a:t>
+              <a:t>10/31/2019</a:t>
             </a:fld>
             <a:endParaRPr lang="en-US"/>
           </a:p>
@@ -1616,7 +1627,7 @@
           <a:p>
             <a:fld id="{C671CAD0-D691-40B4-9201-ED637D495F15}" type="datetimeFigureOut">
               <a:rPr lang="en-US" smtClean="0"/>
-              <a:t>10/25/2018</a:t>
+              <a:t>10/31/2019</a:t>
             </a:fld>
             <a:endParaRPr lang="en-US"/>
           </a:p>
@@ -1734,7 +1745,7 @@
           <a:p>
             <a:fld id="{C671CAD0-D691-40B4-9201-ED637D495F15}" type="datetimeFigureOut">
               <a:rPr lang="en-US" smtClean="0"/>
-              <a:t>10/25/2018</a:t>
+              <a:t>10/31/2019</a:t>
             </a:fld>
             <a:endParaRPr lang="en-US"/>
           </a:p>
@@ -1829,7 +1840,7 @@
           <a:p>
             <a:fld id="{C671CAD0-D691-40B4-9201-ED637D495F15}" type="datetimeFigureOut">
               <a:rPr lang="en-US" smtClean="0"/>
-              <a:t>10/25/2018</a:t>
+              <a:t>10/31/2019</a:t>
             </a:fld>
             <a:endParaRPr lang="en-US"/>
           </a:p>
@@ -2106,7 +2117,7 @@
           <a:p>
             <a:fld id="{C671CAD0-D691-40B4-9201-ED637D495F15}" type="datetimeFigureOut">
               <a:rPr lang="en-US" smtClean="0"/>
-              <a:t>10/25/2018</a:t>
+              <a:t>10/31/2019</a:t>
             </a:fld>
             <a:endParaRPr lang="en-US"/>
           </a:p>
@@ -2359,7 +2370,7 @@
           <a:p>
             <a:fld id="{C671CAD0-D691-40B4-9201-ED637D495F15}" type="datetimeFigureOut">
               <a:rPr lang="en-US" smtClean="0"/>
-              <a:t>10/25/2018</a:t>
+              <a:t>10/31/2019</a:t>
             </a:fld>
             <a:endParaRPr lang="en-US"/>
           </a:p>
@@ -2572,7 +2583,7 @@
           <a:p>
             <a:fld id="{C671CAD0-D691-40B4-9201-ED637D495F15}" type="datetimeFigureOut">
               <a:rPr lang="en-US" smtClean="0"/>
-              <a:t>10/25/2018</a:t>
+              <a:t>10/31/2019</a:t>
             </a:fld>
             <a:endParaRPr lang="en-US"/>
           </a:p>
@@ -3061,6 +3072,13 @@
   <p:clrMapOvr>
     <a:masterClrMapping/>
   </p:clrMapOvr>
+  <p:timing>
+    <p:tnLst>
+      <p:par>
+        <p:cTn id="1" dur="indefinite" restart="never" nodeType="tmRoot"/>
+      </p:par>
+    </p:tnLst>
+  </p:timing>
 </p:sld>
 </file>
 
@@ -3196,6 +3214,778 @@
             <a:spLocks noGrp="1"/>
           </p:cNvSpPr>
           <p:nvPr>
+            <p:ph type="ctrTitle"/>
+          </p:nvPr>
+        </p:nvSpPr>
+        <p:spPr/>
+        <p:txBody>
+          <a:bodyPr/>
+          <a:lstStyle/>
+          <a:p>
+            <a:r>
+              <a:rPr lang="en-US" dirty="0" err="1" smtClean="0"/>
+              <a:t>Mengolah</a:t>
+            </a:r>
+            <a:r>
+              <a:rPr lang="en-US" dirty="0" smtClean="0"/>
+              <a:t> Data </a:t>
+            </a:r>
+            <a:r>
+              <a:rPr lang="en-US" dirty="0" err="1" smtClean="0"/>
+              <a:t>Parsial</a:t>
+            </a:r>
+            <a:r>
+              <a:rPr lang="en-US" dirty="0" smtClean="0"/>
+              <a:t> </a:t>
+            </a:r>
+            <a:endParaRPr lang="en-US" dirty="0"/>
+          </a:p>
+        </p:txBody>
+      </p:sp>
+      <p:sp>
+        <p:nvSpPr>
+          <p:cNvPr id="3" name="Content Placeholder 2"/>
+          <p:cNvSpPr>
+            <a:spLocks noGrp="1"/>
+          </p:cNvSpPr>
+          <p:nvPr>
+            <p:ph type="subTitle" idx="1"/>
+          </p:nvPr>
+        </p:nvSpPr>
+        <p:spPr/>
+        <p:txBody>
+          <a:bodyPr/>
+          <a:lstStyle/>
+          <a:p>
+            <a:r>
+              <a:rPr lang="en-US" dirty="0" err="1" smtClean="0"/>
+              <a:t>Untuk</a:t>
+            </a:r>
+            <a:r>
+              <a:rPr lang="en-US" dirty="0" smtClean="0"/>
+              <a:t> di </a:t>
+            </a:r>
+            <a:r>
+              <a:rPr lang="en-US" dirty="0" err="1" smtClean="0"/>
+              <a:t>tampilkan</a:t>
+            </a:r>
+            <a:r>
+              <a:rPr lang="en-US" dirty="0" smtClean="0"/>
+              <a:t> di </a:t>
+            </a:r>
+            <a:r>
+              <a:rPr lang="en-US" dirty="0" err="1" smtClean="0"/>
+              <a:t>peta</a:t>
+            </a:r>
+            <a:endParaRPr lang="en-US" dirty="0"/>
+          </a:p>
+        </p:txBody>
+      </p:sp>
+    </p:spTree>
+    <p:extLst>
+      <p:ext uri="{BB962C8B-B14F-4D97-AF65-F5344CB8AC3E}">
+        <p14:creationId xmlns:p14="http://schemas.microsoft.com/office/powerpoint/2010/main" val="2096954440"/>
+      </p:ext>
+    </p:extLst>
+  </p:cSld>
+  <p:clrMapOvr>
+    <a:masterClrMapping/>
+  </p:clrMapOvr>
+  <p:timing>
+    <p:tnLst>
+      <p:par>
+        <p:cTn id="1" dur="indefinite" restart="never" nodeType="tmRoot"/>
+      </p:par>
+    </p:tnLst>
+  </p:timing>
+</p:sld>
+</file>
+
+<file path=ppt/slides/slide13.xml><?xml version="1.0" encoding="utf-8"?>
+<p:sld xmlns:a="http://schemas.openxmlformats.org/drawingml/2006/main" xmlns:r="http://schemas.openxmlformats.org/officeDocument/2006/relationships" xmlns:p="http://schemas.openxmlformats.org/presentationml/2006/main">
+  <p:cSld>
+    <p:spTree>
+      <p:nvGrpSpPr>
+        <p:cNvPr id="1" name=""/>
+        <p:cNvGrpSpPr/>
+        <p:nvPr/>
+      </p:nvGrpSpPr>
+      <p:grpSpPr>
+        <a:xfrm>
+          <a:off x="0" y="0"/>
+          <a:ext cx="0" cy="0"/>
+          <a:chOff x="0" y="0"/>
+          <a:chExt cx="0" cy="0"/>
+        </a:xfrm>
+      </p:grpSpPr>
+      <p:sp>
+        <p:nvSpPr>
+          <p:cNvPr id="2" name="Title 1"/>
+          <p:cNvSpPr>
+            <a:spLocks noGrp="1"/>
+          </p:cNvSpPr>
+          <p:nvPr>
+            <p:ph type="title"/>
+          </p:nvPr>
+        </p:nvSpPr>
+        <p:spPr/>
+        <p:txBody>
+          <a:bodyPr/>
+          <a:lstStyle/>
+          <a:p>
+            <a:r>
+              <a:rPr lang="en-US" dirty="0" smtClean="0"/>
+              <a:t>1. </a:t>
+            </a:r>
+            <a:r>
+              <a:rPr lang="en-US" dirty="0" err="1" smtClean="0"/>
+              <a:t>Persiapan</a:t>
+            </a:r>
+            <a:r>
+              <a:rPr lang="en-US" dirty="0" smtClean="0"/>
+              <a:t> </a:t>
+            </a:r>
+            <a:r>
+              <a:rPr lang="en-US" dirty="0" err="1" smtClean="0"/>
+              <a:t>Sofware</a:t>
+            </a:r>
+            <a:endParaRPr lang="en-US" dirty="0"/>
+          </a:p>
+        </p:txBody>
+      </p:sp>
+      <p:sp>
+        <p:nvSpPr>
+          <p:cNvPr id="3" name="Content Placeholder 2"/>
+          <p:cNvSpPr>
+            <a:spLocks noGrp="1"/>
+          </p:cNvSpPr>
+          <p:nvPr>
+            <p:ph idx="1"/>
+          </p:nvPr>
+        </p:nvSpPr>
+        <p:spPr/>
+        <p:txBody>
+          <a:bodyPr/>
+          <a:lstStyle/>
+          <a:p>
+            <a:r>
+              <a:rPr lang="en-US" dirty="0" smtClean="0"/>
+              <a:t>Download </a:t>
+            </a:r>
+            <a:r>
+              <a:rPr lang="en-US" dirty="0" err="1" smtClean="0"/>
+              <a:t>dan</a:t>
+            </a:r>
+            <a:r>
+              <a:rPr lang="en-US" dirty="0" smtClean="0"/>
+              <a:t> Install </a:t>
+            </a:r>
+            <a:r>
+              <a:rPr lang="en-US" dirty="0" err="1" smtClean="0">
+                <a:hlinkClick r:id="rId2"/>
+              </a:rPr>
+              <a:t>Sofware</a:t>
+            </a:r>
+            <a:r>
+              <a:rPr lang="en-US" dirty="0" smtClean="0">
+                <a:hlinkClick r:id="rId2"/>
+              </a:rPr>
+              <a:t> QGIS</a:t>
+            </a:r>
+            <a:r>
+              <a:rPr lang="en-US" dirty="0" smtClean="0"/>
+              <a:t>.</a:t>
+            </a:r>
+            <a:endParaRPr lang="en-US" dirty="0"/>
+          </a:p>
+        </p:txBody>
+      </p:sp>
+      <p:pic>
+        <p:nvPicPr>
+          <p:cNvPr id="4" name="Picture 3">
+            <a:hlinkClick r:id="rId2"/>
+          </p:cNvPr>
+          <p:cNvPicPr>
+            <a:picLocks noChangeAspect="1"/>
+          </p:cNvPicPr>
+          <p:nvPr/>
+        </p:nvPicPr>
+        <p:blipFill>
+          <a:blip r:embed="rId3">
+            <a:extLst>
+              <a:ext uri="{28A0092B-C50C-407E-A947-70E740481C1C}">
+                <a14:useLocalDpi xmlns:a14="http://schemas.microsoft.com/office/drawing/2010/main" val="0"/>
+              </a:ext>
+            </a:extLst>
+          </a:blip>
+          <a:stretch>
+            <a:fillRect/>
+          </a:stretch>
+        </p:blipFill>
+        <p:spPr>
+          <a:xfrm>
+            <a:off x="838200" y="2654215"/>
+            <a:ext cx="9051235" cy="2694157"/>
+          </a:xfrm>
+          <a:prstGeom prst="rect">
+            <a:avLst/>
+          </a:prstGeom>
+        </p:spPr>
+      </p:pic>
+    </p:spTree>
+    <p:extLst>
+      <p:ext uri="{BB962C8B-B14F-4D97-AF65-F5344CB8AC3E}">
+        <p14:creationId xmlns:p14="http://schemas.microsoft.com/office/powerpoint/2010/main" val="2104121933"/>
+      </p:ext>
+    </p:extLst>
+  </p:cSld>
+  <p:clrMapOvr>
+    <a:masterClrMapping/>
+  </p:clrMapOvr>
+  <p:timing>
+    <p:tnLst>
+      <p:par>
+        <p:cTn id="1" dur="indefinite" restart="never" nodeType="tmRoot"/>
+      </p:par>
+    </p:tnLst>
+  </p:timing>
+</p:sld>
+</file>
+
+<file path=ppt/slides/slide14.xml><?xml version="1.0" encoding="utf-8"?>
+<p:sld xmlns:a="http://schemas.openxmlformats.org/drawingml/2006/main" xmlns:r="http://schemas.openxmlformats.org/officeDocument/2006/relationships" xmlns:p="http://schemas.openxmlformats.org/presentationml/2006/main">
+  <p:cSld>
+    <p:spTree>
+      <p:nvGrpSpPr>
+        <p:cNvPr id="1" name=""/>
+        <p:cNvGrpSpPr/>
+        <p:nvPr/>
+      </p:nvGrpSpPr>
+      <p:grpSpPr>
+        <a:xfrm>
+          <a:off x="0" y="0"/>
+          <a:ext cx="0" cy="0"/>
+          <a:chOff x="0" y="0"/>
+          <a:chExt cx="0" cy="0"/>
+        </a:xfrm>
+      </p:grpSpPr>
+      <p:sp>
+        <p:nvSpPr>
+          <p:cNvPr id="2" name="Title 1"/>
+          <p:cNvSpPr>
+            <a:spLocks noGrp="1"/>
+          </p:cNvSpPr>
+          <p:nvPr>
+            <p:ph type="title"/>
+          </p:nvPr>
+        </p:nvSpPr>
+        <p:spPr/>
+        <p:txBody>
+          <a:bodyPr/>
+          <a:lstStyle/>
+          <a:p>
+            <a:r>
+              <a:rPr lang="en-US" dirty="0" smtClean="0"/>
+              <a:t>2. </a:t>
+            </a:r>
+            <a:r>
+              <a:rPr lang="en-US" dirty="0" err="1" smtClean="0"/>
+              <a:t>Persiapan</a:t>
+            </a:r>
+            <a:r>
+              <a:rPr lang="en-US" dirty="0" smtClean="0"/>
+              <a:t> Data </a:t>
+            </a:r>
+            <a:r>
+              <a:rPr lang="en-US" dirty="0" err="1" smtClean="0"/>
+              <a:t>Spesial</a:t>
+            </a:r>
+            <a:r>
+              <a:rPr lang="en-US" dirty="0" smtClean="0"/>
+              <a:t> </a:t>
+            </a:r>
+            <a:endParaRPr lang="en-US" dirty="0"/>
+          </a:p>
+        </p:txBody>
+      </p:sp>
+      <p:sp>
+        <p:nvSpPr>
+          <p:cNvPr id="3" name="Content Placeholder 2"/>
+          <p:cNvSpPr>
+            <a:spLocks noGrp="1"/>
+          </p:cNvSpPr>
+          <p:nvPr>
+            <p:ph idx="1"/>
+          </p:nvPr>
+        </p:nvSpPr>
+        <p:spPr/>
+        <p:txBody>
+          <a:bodyPr/>
+          <a:lstStyle/>
+          <a:p>
+            <a:pPr marL="0" indent="0">
+              <a:buNone/>
+            </a:pPr>
+            <a:r>
+              <a:rPr lang="en-US" dirty="0" smtClean="0"/>
+              <a:t>a. Download data special di website </a:t>
+            </a:r>
+            <a:r>
+              <a:rPr lang="en-US" dirty="0" smtClean="0">
+                <a:hlinkClick r:id="rId2"/>
+              </a:rPr>
+              <a:t>Indonesia </a:t>
+            </a:r>
+            <a:r>
+              <a:rPr lang="en-US" dirty="0" err="1" smtClean="0">
+                <a:hlinkClick r:id="rId2"/>
+              </a:rPr>
+              <a:t>Geospesial</a:t>
+            </a:r>
+            <a:r>
+              <a:rPr lang="en-US" dirty="0" smtClean="0">
+                <a:hlinkClick r:id="rId2"/>
+              </a:rPr>
+              <a:t> Portal </a:t>
+            </a:r>
+            <a:endParaRPr lang="en-US" dirty="0" smtClean="0"/>
+          </a:p>
+        </p:txBody>
+      </p:sp>
+      <p:pic>
+        <p:nvPicPr>
+          <p:cNvPr id="5" name="Picture 4"/>
+          <p:cNvPicPr>
+            <a:picLocks noChangeAspect="1"/>
+          </p:cNvPicPr>
+          <p:nvPr/>
+        </p:nvPicPr>
+        <p:blipFill>
+          <a:blip r:embed="rId3"/>
+          <a:stretch>
+            <a:fillRect/>
+          </a:stretch>
+        </p:blipFill>
+        <p:spPr>
+          <a:xfrm>
+            <a:off x="1205947" y="2269493"/>
+            <a:ext cx="9687340" cy="4042407"/>
+          </a:xfrm>
+          <a:prstGeom prst="rect">
+            <a:avLst/>
+          </a:prstGeom>
+        </p:spPr>
+      </p:pic>
+    </p:spTree>
+    <p:extLst>
+      <p:ext uri="{BB962C8B-B14F-4D97-AF65-F5344CB8AC3E}">
+        <p14:creationId xmlns:p14="http://schemas.microsoft.com/office/powerpoint/2010/main" val="1913803162"/>
+      </p:ext>
+    </p:extLst>
+  </p:cSld>
+  <p:clrMapOvr>
+    <a:masterClrMapping/>
+  </p:clrMapOvr>
+  <p:timing>
+    <p:tnLst>
+      <p:par>
+        <p:cTn id="1" dur="indefinite" restart="never" nodeType="tmRoot"/>
+      </p:par>
+    </p:tnLst>
+  </p:timing>
+</p:sld>
+</file>
+
+<file path=ppt/slides/slide15.xml><?xml version="1.0" encoding="utf-8"?>
+<p:sld xmlns:a="http://schemas.openxmlformats.org/drawingml/2006/main" xmlns:r="http://schemas.openxmlformats.org/officeDocument/2006/relationships" xmlns:p="http://schemas.openxmlformats.org/presentationml/2006/main">
+  <p:cSld>
+    <p:spTree>
+      <p:nvGrpSpPr>
+        <p:cNvPr id="1" name=""/>
+        <p:cNvGrpSpPr/>
+        <p:nvPr/>
+      </p:nvGrpSpPr>
+      <p:grpSpPr>
+        <a:xfrm>
+          <a:off x="0" y="0"/>
+          <a:ext cx="0" cy="0"/>
+          <a:chOff x="0" y="0"/>
+          <a:chExt cx="0" cy="0"/>
+        </a:xfrm>
+      </p:grpSpPr>
+      <p:sp>
+        <p:nvSpPr>
+          <p:cNvPr id="3" name="Content Placeholder 2"/>
+          <p:cNvSpPr>
+            <a:spLocks noGrp="1"/>
+          </p:cNvSpPr>
+          <p:nvPr>
+            <p:ph idx="1"/>
+          </p:nvPr>
+        </p:nvSpPr>
+        <p:spPr>
+          <a:xfrm>
+            <a:off x="838200" y="371061"/>
+            <a:ext cx="10515600" cy="5805902"/>
+          </a:xfrm>
+        </p:spPr>
+        <p:txBody>
+          <a:bodyPr/>
+          <a:lstStyle/>
+          <a:p>
+            <a:pPr marL="0" indent="0">
+              <a:buNone/>
+            </a:pPr>
+            <a:r>
+              <a:rPr lang="en-US" dirty="0" smtClean="0"/>
+              <a:t>b. </a:t>
+            </a:r>
+            <a:r>
+              <a:rPr lang="en-US" dirty="0" err="1" smtClean="0"/>
+              <a:t>Untuk</a:t>
+            </a:r>
+            <a:r>
+              <a:rPr lang="en-US" dirty="0" smtClean="0"/>
+              <a:t> </a:t>
+            </a:r>
+            <a:r>
+              <a:rPr lang="en-US" dirty="0" err="1" smtClean="0"/>
+              <a:t>dapat</a:t>
+            </a:r>
+            <a:r>
+              <a:rPr lang="en-US" dirty="0" smtClean="0"/>
+              <a:t> </a:t>
+            </a:r>
+            <a:r>
+              <a:rPr lang="en-US" dirty="0" err="1" smtClean="0"/>
+              <a:t>mendownload</a:t>
+            </a:r>
+            <a:r>
+              <a:rPr lang="en-US" dirty="0" smtClean="0"/>
+              <a:t> data special </a:t>
+            </a:r>
+            <a:r>
+              <a:rPr lang="en-US" dirty="0" err="1" smtClean="0"/>
+              <a:t>anda</a:t>
+            </a:r>
+            <a:r>
+              <a:rPr lang="en-US" dirty="0" smtClean="0"/>
+              <a:t> </a:t>
+            </a:r>
+            <a:r>
+              <a:rPr lang="en-US" dirty="0" err="1" smtClean="0"/>
+              <a:t>harus</a:t>
+            </a:r>
+            <a:r>
+              <a:rPr lang="en-US" dirty="0" smtClean="0"/>
+              <a:t> </a:t>
+            </a:r>
+            <a:r>
+              <a:rPr lang="en-US" dirty="0" err="1" smtClean="0"/>
+              <a:t>mendaftar</a:t>
+            </a:r>
+            <a:r>
+              <a:rPr lang="en-US" dirty="0" smtClean="0"/>
+              <a:t> </a:t>
+            </a:r>
+            <a:r>
+              <a:rPr lang="en-US" dirty="0" err="1" smtClean="0"/>
+              <a:t>terlebih</a:t>
+            </a:r>
+            <a:r>
+              <a:rPr lang="en-US" dirty="0" smtClean="0"/>
+              <a:t> </a:t>
+            </a:r>
+            <a:r>
+              <a:rPr lang="en-US" dirty="0" err="1" smtClean="0"/>
+              <a:t>dahulu</a:t>
+            </a:r>
+            <a:r>
+              <a:rPr lang="en-US" dirty="0" smtClean="0"/>
+              <a:t> </a:t>
+            </a:r>
+            <a:r>
+              <a:rPr lang="en-US" dirty="0" err="1" smtClean="0"/>
+              <a:t>apabila</a:t>
+            </a:r>
+            <a:r>
+              <a:rPr lang="en-US" dirty="0" smtClean="0"/>
+              <a:t> </a:t>
+            </a:r>
+            <a:r>
+              <a:rPr lang="en-US" dirty="0" err="1" smtClean="0"/>
+              <a:t>sudah</a:t>
+            </a:r>
+            <a:r>
+              <a:rPr lang="en-US" dirty="0" smtClean="0"/>
+              <a:t> </a:t>
+            </a:r>
+            <a:r>
+              <a:rPr lang="en-US" dirty="0" err="1" smtClean="0"/>
+              <a:t>makan</a:t>
+            </a:r>
+            <a:r>
+              <a:rPr lang="en-US" dirty="0" smtClean="0"/>
+              <a:t> </a:t>
+            </a:r>
+            <a:r>
+              <a:rPr lang="en-US" dirty="0" err="1" smtClean="0"/>
+              <a:t>silahkan</a:t>
+            </a:r>
+            <a:r>
+              <a:rPr lang="en-US" dirty="0" smtClean="0"/>
+              <a:t> </a:t>
+            </a:r>
+            <a:r>
+              <a:rPr lang="en-US" dirty="0" err="1" smtClean="0"/>
+              <a:t>anda</a:t>
+            </a:r>
+            <a:r>
+              <a:rPr lang="en-US" dirty="0" smtClean="0"/>
+              <a:t> login </a:t>
+            </a:r>
+          </a:p>
+        </p:txBody>
+      </p:sp>
+      <p:pic>
+        <p:nvPicPr>
+          <p:cNvPr id="4" name="Picture 3"/>
+          <p:cNvPicPr>
+            <a:picLocks noChangeAspect="1"/>
+          </p:cNvPicPr>
+          <p:nvPr/>
+        </p:nvPicPr>
+        <p:blipFill>
+          <a:blip r:embed="rId2"/>
+          <a:stretch>
+            <a:fillRect/>
+          </a:stretch>
+        </p:blipFill>
+        <p:spPr>
+          <a:xfrm>
+            <a:off x="2655092" y="1344169"/>
+            <a:ext cx="7226369" cy="5022701"/>
+          </a:xfrm>
+          <a:prstGeom prst="rect">
+            <a:avLst/>
+          </a:prstGeom>
+        </p:spPr>
+      </p:pic>
+    </p:spTree>
+    <p:extLst>
+      <p:ext uri="{BB962C8B-B14F-4D97-AF65-F5344CB8AC3E}">
+        <p14:creationId xmlns:p14="http://schemas.microsoft.com/office/powerpoint/2010/main" val="260286375"/>
+      </p:ext>
+    </p:extLst>
+  </p:cSld>
+  <p:clrMapOvr>
+    <a:masterClrMapping/>
+  </p:clrMapOvr>
+  <p:timing>
+    <p:tnLst>
+      <p:par>
+        <p:cTn id="1" dur="indefinite" restart="never" nodeType="tmRoot"/>
+      </p:par>
+    </p:tnLst>
+  </p:timing>
+</p:sld>
+</file>
+
+<file path=ppt/slides/slide16.xml><?xml version="1.0" encoding="utf-8"?>
+<p:sld xmlns:a="http://schemas.openxmlformats.org/drawingml/2006/main" xmlns:r="http://schemas.openxmlformats.org/officeDocument/2006/relationships" xmlns:p="http://schemas.openxmlformats.org/presentationml/2006/main">
+  <p:cSld>
+    <p:spTree>
+      <p:nvGrpSpPr>
+        <p:cNvPr id="1" name=""/>
+        <p:cNvGrpSpPr/>
+        <p:nvPr/>
+      </p:nvGrpSpPr>
+      <p:grpSpPr>
+        <a:xfrm>
+          <a:off x="0" y="0"/>
+          <a:ext cx="0" cy="0"/>
+          <a:chOff x="0" y="0"/>
+          <a:chExt cx="0" cy="0"/>
+        </a:xfrm>
+      </p:grpSpPr>
+      <p:sp>
+        <p:nvSpPr>
+          <p:cNvPr id="3" name="Content Placeholder 2"/>
+          <p:cNvSpPr>
+            <a:spLocks noGrp="1"/>
+          </p:cNvSpPr>
+          <p:nvPr>
+            <p:ph idx="1"/>
+          </p:nvPr>
+        </p:nvSpPr>
+        <p:spPr>
+          <a:xfrm>
+            <a:off x="838200" y="371061"/>
+            <a:ext cx="10515600" cy="5805902"/>
+          </a:xfrm>
+        </p:spPr>
+        <p:txBody>
+          <a:bodyPr/>
+          <a:lstStyle/>
+          <a:p>
+            <a:pPr marL="0" indent="0">
+              <a:buNone/>
+            </a:pPr>
+            <a:r>
+              <a:rPr lang="en-US" dirty="0" smtClean="0"/>
+              <a:t>b. </a:t>
+            </a:r>
+            <a:r>
+              <a:rPr lang="en-US" dirty="0" err="1" smtClean="0"/>
+              <a:t>Untuk</a:t>
+            </a:r>
+            <a:r>
+              <a:rPr lang="en-US" dirty="0" smtClean="0"/>
+              <a:t> </a:t>
+            </a:r>
+            <a:r>
+              <a:rPr lang="en-US" dirty="0" err="1" smtClean="0"/>
+              <a:t>dapat</a:t>
+            </a:r>
+            <a:r>
+              <a:rPr lang="en-US" dirty="0" smtClean="0"/>
+              <a:t> </a:t>
+            </a:r>
+            <a:r>
+              <a:rPr lang="en-US" dirty="0" err="1" smtClean="0"/>
+              <a:t>mendownload</a:t>
+            </a:r>
+            <a:r>
+              <a:rPr lang="en-US" dirty="0" smtClean="0"/>
+              <a:t> data special </a:t>
+            </a:r>
+            <a:r>
+              <a:rPr lang="en-US" dirty="0" err="1" smtClean="0"/>
+              <a:t>anda</a:t>
+            </a:r>
+            <a:r>
+              <a:rPr lang="en-US" dirty="0" smtClean="0"/>
+              <a:t> </a:t>
+            </a:r>
+            <a:r>
+              <a:rPr lang="en-US" dirty="0" err="1" smtClean="0"/>
+              <a:t>harus</a:t>
+            </a:r>
+            <a:r>
+              <a:rPr lang="en-US" dirty="0" smtClean="0"/>
+              <a:t> </a:t>
+            </a:r>
+            <a:r>
+              <a:rPr lang="en-US" dirty="0" err="1" smtClean="0"/>
+              <a:t>mendaftar</a:t>
+            </a:r>
+            <a:r>
+              <a:rPr lang="en-US" dirty="0" smtClean="0"/>
+              <a:t> </a:t>
+            </a:r>
+            <a:r>
+              <a:rPr lang="en-US" dirty="0" err="1" smtClean="0"/>
+              <a:t>terlebih</a:t>
+            </a:r>
+            <a:r>
+              <a:rPr lang="en-US" dirty="0" smtClean="0"/>
+              <a:t> </a:t>
+            </a:r>
+            <a:r>
+              <a:rPr lang="en-US" dirty="0" err="1" smtClean="0"/>
+              <a:t>dahulu</a:t>
+            </a:r>
+            <a:r>
+              <a:rPr lang="en-US" dirty="0" smtClean="0"/>
+              <a:t> </a:t>
+            </a:r>
+            <a:r>
+              <a:rPr lang="en-US" dirty="0" err="1" smtClean="0"/>
+              <a:t>apabila</a:t>
+            </a:r>
+            <a:r>
+              <a:rPr lang="en-US" dirty="0" smtClean="0"/>
+              <a:t> </a:t>
+            </a:r>
+            <a:r>
+              <a:rPr lang="en-US" dirty="0" err="1" smtClean="0"/>
+              <a:t>sudah</a:t>
+            </a:r>
+            <a:r>
+              <a:rPr lang="en-US" dirty="0" smtClean="0"/>
+              <a:t> </a:t>
+            </a:r>
+            <a:r>
+              <a:rPr lang="en-US" dirty="0" err="1" smtClean="0"/>
+              <a:t>makan</a:t>
+            </a:r>
+            <a:r>
+              <a:rPr lang="en-US" dirty="0" smtClean="0"/>
+              <a:t> </a:t>
+            </a:r>
+            <a:r>
+              <a:rPr lang="en-US" dirty="0" err="1" smtClean="0"/>
+              <a:t>silahkan</a:t>
+            </a:r>
+            <a:r>
+              <a:rPr lang="en-US" dirty="0" smtClean="0"/>
+              <a:t> </a:t>
+            </a:r>
+            <a:r>
+              <a:rPr lang="en-US" dirty="0" err="1" smtClean="0"/>
+              <a:t>anda</a:t>
+            </a:r>
+            <a:r>
+              <a:rPr lang="en-US" dirty="0" smtClean="0"/>
+              <a:t> login </a:t>
+            </a:r>
+          </a:p>
+        </p:txBody>
+      </p:sp>
+    </p:spTree>
+    <p:extLst>
+      <p:ext uri="{BB962C8B-B14F-4D97-AF65-F5344CB8AC3E}">
+        <p14:creationId xmlns:p14="http://schemas.microsoft.com/office/powerpoint/2010/main" val="294806815"/>
+      </p:ext>
+    </p:extLst>
+  </p:cSld>
+  <p:clrMapOvr>
+    <a:masterClrMapping/>
+  </p:clrMapOvr>
+  <p:timing>
+    <p:tnLst>
+      <p:par>
+        <p:cTn id="1" dur="indefinite" restart="never" nodeType="tmRoot"/>
+      </p:par>
+    </p:tnLst>
+  </p:timing>
+</p:sld>
+</file>
+
+<file path=ppt/slides/slide17.xml><?xml version="1.0" encoding="utf-8"?>
+<p:sld xmlns:a="http://schemas.openxmlformats.org/drawingml/2006/main" xmlns:r="http://schemas.openxmlformats.org/officeDocument/2006/relationships" xmlns:p="http://schemas.openxmlformats.org/presentationml/2006/main">
+  <p:cSld>
+    <p:spTree>
+      <p:nvGrpSpPr>
+        <p:cNvPr id="1" name=""/>
+        <p:cNvGrpSpPr/>
+        <p:nvPr/>
+      </p:nvGrpSpPr>
+      <p:grpSpPr>
+        <a:xfrm>
+          <a:off x="0" y="0"/>
+          <a:ext cx="0" cy="0"/>
+          <a:chOff x="0" y="0"/>
+          <a:chExt cx="0" cy="0"/>
+        </a:xfrm>
+      </p:grpSpPr>
+      <p:sp>
+        <p:nvSpPr>
+          <p:cNvPr id="2" name="Title 1"/>
+          <p:cNvSpPr>
+            <a:spLocks noGrp="1"/>
+          </p:cNvSpPr>
+          <p:nvPr>
             <p:ph type="title"/>
           </p:nvPr>
         </p:nvSpPr>
@@ -3256,10 +4046,103 @@
   <p:clrMapOvr>
     <a:masterClrMapping/>
   </p:clrMapOvr>
+  <p:timing>
+    <p:tnLst>
+      <p:par>
+        <p:cTn id="1" dur="indefinite" restart="never" nodeType="tmRoot"/>
+      </p:par>
+    </p:tnLst>
+  </p:timing>
 </p:sld>
 </file>
 
-<file path=ppt/slides/slide13.xml><?xml version="1.0" encoding="utf-8"?>
+<file path=ppt/slides/slide18.xml><?xml version="1.0" encoding="utf-8"?>
+<p:sld xmlns:a="http://schemas.openxmlformats.org/drawingml/2006/main" xmlns:r="http://schemas.openxmlformats.org/officeDocument/2006/relationships" xmlns:p="http://schemas.openxmlformats.org/presentationml/2006/main">
+  <p:cSld>
+    <p:spTree>
+      <p:nvGrpSpPr>
+        <p:cNvPr id="1" name=""/>
+        <p:cNvGrpSpPr/>
+        <p:nvPr/>
+      </p:nvGrpSpPr>
+      <p:grpSpPr>
+        <a:xfrm>
+          <a:off x="0" y="0"/>
+          <a:ext cx="0" cy="0"/>
+          <a:chOff x="0" y="0"/>
+          <a:chExt cx="0" cy="0"/>
+        </a:xfrm>
+      </p:grpSpPr>
+      <p:sp>
+        <p:nvSpPr>
+          <p:cNvPr id="2" name="Title 1"/>
+          <p:cNvSpPr>
+            <a:spLocks noGrp="1"/>
+          </p:cNvSpPr>
+          <p:nvPr>
+            <p:ph type="title"/>
+          </p:nvPr>
+        </p:nvSpPr>
+        <p:spPr/>
+        <p:txBody>
+          <a:bodyPr/>
+          <a:lstStyle/>
+          <a:p>
+            <a:r>
+              <a:rPr lang="en-US" dirty="0" smtClean="0"/>
+              <a:t>Download Icon</a:t>
+            </a:r>
+            <a:endParaRPr lang="en-US" dirty="0"/>
+          </a:p>
+        </p:txBody>
+      </p:sp>
+      <p:pic>
+        <p:nvPicPr>
+          <p:cNvPr id="4" name="Picture 3">
+            <a:hlinkClick r:id="rId2"/>
+          </p:cNvPr>
+          <p:cNvPicPr>
+            <a:picLocks noChangeAspect="1"/>
+          </p:cNvPicPr>
+          <p:nvPr/>
+        </p:nvPicPr>
+        <p:blipFill>
+          <a:blip r:embed="rId3"/>
+          <a:stretch>
+            <a:fillRect/>
+          </a:stretch>
+        </p:blipFill>
+        <p:spPr>
+          <a:xfrm>
+            <a:off x="935726" y="1587085"/>
+            <a:ext cx="10075571" cy="4601679"/>
+          </a:xfrm>
+          <a:prstGeom prst="rect">
+            <a:avLst/>
+          </a:prstGeom>
+        </p:spPr>
+      </p:pic>
+    </p:spTree>
+    <p:extLst>
+      <p:ext uri="{BB962C8B-B14F-4D97-AF65-F5344CB8AC3E}">
+        <p14:creationId xmlns:p14="http://schemas.microsoft.com/office/powerpoint/2010/main" val="604169898"/>
+      </p:ext>
+    </p:extLst>
+  </p:cSld>
+  <p:clrMapOvr>
+    <a:masterClrMapping/>
+  </p:clrMapOvr>
+  <p:timing>
+    <p:tnLst>
+      <p:par>
+        <p:cTn id="1" dur="indefinite" restart="never" nodeType="tmRoot"/>
+      </p:par>
+    </p:tnLst>
+  </p:timing>
+</p:sld>
+</file>
+
+<file path=ppt/slides/slide19.xml><?xml version="1.0" encoding="utf-8"?>
 <p:sld xmlns:a="http://schemas.openxmlformats.org/drawingml/2006/main" xmlns:r="http://schemas.openxmlformats.org/officeDocument/2006/relationships" xmlns:p="http://schemas.openxmlformats.org/presentationml/2006/main">
   <p:cSld>
     <p:spTree>
@@ -3313,203 +4196,6 @@
 </p:sld>
 </file>
 
-<file path=ppt/slides/slide14.xml><?xml version="1.0" encoding="utf-8"?>
-<p:sld xmlns:a="http://schemas.openxmlformats.org/drawingml/2006/main" xmlns:r="http://schemas.openxmlformats.org/officeDocument/2006/relationships" xmlns:p="http://schemas.openxmlformats.org/presentationml/2006/main">
-  <p:cSld>
-    <p:spTree>
-      <p:nvGrpSpPr>
-        <p:cNvPr id="1" name=""/>
-        <p:cNvGrpSpPr/>
-        <p:nvPr/>
-      </p:nvGrpSpPr>
-      <p:grpSpPr>
-        <a:xfrm>
-          <a:off x="0" y="0"/>
-          <a:ext cx="0" cy="0"/>
-          <a:chOff x="0" y="0"/>
-          <a:chExt cx="0" cy="0"/>
-        </a:xfrm>
-      </p:grpSpPr>
-      <p:sp>
-        <p:nvSpPr>
-          <p:cNvPr id="2" name="Title 1"/>
-          <p:cNvSpPr>
-            <a:spLocks noGrp="1"/>
-          </p:cNvSpPr>
-          <p:nvPr>
-            <p:ph type="ctrTitle"/>
-          </p:nvPr>
-        </p:nvSpPr>
-        <p:spPr/>
-        <p:txBody>
-          <a:bodyPr>
-            <a:normAutofit fontScale="90000"/>
-          </a:bodyPr>
-          <a:lstStyle/>
-          <a:p>
-            <a:r>
-              <a:rPr lang="en-US" dirty="0" err="1" smtClean="0"/>
-              <a:t>Tugas</a:t>
-            </a:r>
-            <a:r>
-              <a:rPr lang="en-US" dirty="0" smtClean="0"/>
-              <a:t> </a:t>
-            </a:r>
-            <a:r>
-              <a:rPr lang="en-US" dirty="0" err="1" smtClean="0"/>
-              <a:t>Menampilkan</a:t>
-            </a:r>
-            <a:r>
-              <a:rPr lang="en-US" dirty="0" smtClean="0"/>
-              <a:t> Data </a:t>
-            </a:r>
-            <a:r>
-              <a:rPr lang="en-US" dirty="0" err="1" smtClean="0"/>
-              <a:t>Desa</a:t>
-            </a:r>
-            <a:r>
-              <a:rPr lang="en-US" dirty="0" smtClean="0"/>
-              <a:t> </a:t>
-            </a:r>
-            <a:r>
-              <a:rPr lang="en-US" dirty="0" err="1" smtClean="0"/>
-              <a:t>Masing-masing</a:t>
-            </a:r>
-            <a:r>
-              <a:rPr lang="en-US" dirty="0" smtClean="0"/>
-              <a:t> </a:t>
-            </a:r>
-            <a:r>
-              <a:rPr lang="en-US" dirty="0" err="1" smtClean="0"/>
-              <a:t>pada</a:t>
-            </a:r>
-            <a:r>
-              <a:rPr lang="en-US" dirty="0"/>
-              <a:t> </a:t>
-            </a:r>
-            <a:r>
-              <a:rPr lang="en-US" dirty="0" err="1" smtClean="0"/>
-              <a:t>Halaman</a:t>
-            </a:r>
-            <a:r>
-              <a:rPr lang="en-US" dirty="0" smtClean="0"/>
-              <a:t> Web</a:t>
-            </a:r>
-            <a:endParaRPr lang="en-US" dirty="0"/>
-          </a:p>
-        </p:txBody>
-      </p:sp>
-      <p:sp>
-        <p:nvSpPr>
-          <p:cNvPr id="3" name="Subtitle 2"/>
-          <p:cNvSpPr>
-            <a:spLocks noGrp="1"/>
-          </p:cNvSpPr>
-          <p:nvPr>
-            <p:ph type="subTitle" idx="1"/>
-          </p:nvPr>
-        </p:nvSpPr>
-        <p:spPr/>
-        <p:txBody>
-          <a:bodyPr/>
-          <a:lstStyle/>
-          <a:p>
-            <a:r>
-              <a:rPr lang="en-US" dirty="0" err="1" smtClean="0"/>
-              <a:t>Ketentuan</a:t>
-            </a:r>
-            <a:r>
-              <a:rPr lang="en-US" dirty="0" smtClean="0"/>
-              <a:t> :</a:t>
-            </a:r>
-          </a:p>
-          <a:p>
-            <a:pPr marL="457200" indent="-457200">
-              <a:buAutoNum type="arabicPeriod"/>
-            </a:pPr>
-            <a:r>
-              <a:rPr lang="en-US" dirty="0" smtClean="0"/>
-              <a:t>Data di Upload di </a:t>
-            </a:r>
-            <a:r>
-              <a:rPr lang="en-US" dirty="0" err="1" smtClean="0"/>
-              <a:t>github</a:t>
-            </a:r>
-            <a:r>
-              <a:rPr lang="en-US" dirty="0" smtClean="0"/>
-              <a:t> </a:t>
-            </a:r>
-            <a:r>
-              <a:rPr lang="en-US" dirty="0" err="1" smtClean="0"/>
-              <a:t>dan</a:t>
-            </a:r>
-            <a:r>
-              <a:rPr lang="en-US" dirty="0" smtClean="0"/>
-              <a:t> </a:t>
-            </a:r>
-            <a:r>
-              <a:rPr lang="en-US" dirty="0" err="1" smtClean="0"/>
-              <a:t>disertai</a:t>
-            </a:r>
-            <a:r>
-              <a:rPr lang="en-US" dirty="0" smtClean="0"/>
-              <a:t> </a:t>
-            </a:r>
-            <a:r>
-              <a:rPr lang="en-US" dirty="0" err="1" smtClean="0"/>
-              <a:t>dengan</a:t>
-            </a:r>
-            <a:r>
-              <a:rPr lang="en-US" dirty="0" smtClean="0"/>
-              <a:t> </a:t>
-            </a:r>
-            <a:r>
-              <a:rPr lang="en-US" smtClean="0"/>
-              <a:t>gambarnya</a:t>
-            </a:r>
-            <a:endParaRPr lang="en-US" dirty="0" smtClean="0"/>
-          </a:p>
-          <a:p>
-            <a:pPr marL="457200" indent="-457200">
-              <a:buAutoNum type="arabicPeriod"/>
-            </a:pPr>
-            <a:r>
-              <a:rPr lang="en-US" dirty="0" smtClean="0"/>
-              <a:t>Link di </a:t>
-            </a:r>
-            <a:r>
-              <a:rPr lang="en-US" dirty="0" err="1" smtClean="0"/>
-              <a:t>kirim</a:t>
-            </a:r>
-            <a:r>
-              <a:rPr lang="en-US" dirty="0" smtClean="0"/>
-              <a:t> </a:t>
-            </a:r>
-            <a:r>
-              <a:rPr lang="en-US" dirty="0" err="1" smtClean="0"/>
-              <a:t>ke</a:t>
-            </a:r>
-            <a:r>
-              <a:rPr lang="en-US" dirty="0" smtClean="0"/>
-              <a:t> email </a:t>
-            </a:r>
-            <a:endParaRPr lang="en-US" dirty="0"/>
-          </a:p>
-        </p:txBody>
-      </p:sp>
-    </p:spTree>
-    <p:extLst>
-      <p:ext uri="{BB962C8B-B14F-4D97-AF65-F5344CB8AC3E}">
-        <p14:creationId xmlns:p14="http://schemas.microsoft.com/office/powerpoint/2010/main" val="320585912"/>
-      </p:ext>
-    </p:extLst>
-  </p:cSld>
-  <p:clrMapOvr>
-    <a:masterClrMapping/>
-  </p:clrMapOvr>
-</p:sld>
-</file>
-
 <file path=ppt/slides/slide2.xml><?xml version="1.0" encoding="utf-8"?>
 <p:sld xmlns:a="http://schemas.openxmlformats.org/drawingml/2006/main" xmlns:r="http://schemas.openxmlformats.org/officeDocument/2006/relationships" xmlns:p="http://schemas.openxmlformats.org/presentationml/2006/main">
   <p:cSld>
@@ -3581,6 +4267,210 @@
     <p:extLst>
       <p:ext uri="{BB962C8B-B14F-4D97-AF65-F5344CB8AC3E}">
         <p14:creationId xmlns:p14="http://schemas.microsoft.com/office/powerpoint/2010/main" val="1473695256"/>
+      </p:ext>
+    </p:extLst>
+  </p:cSld>
+  <p:clrMapOvr>
+    <a:masterClrMapping/>
+  </p:clrMapOvr>
+  <p:timing>
+    <p:tnLst>
+      <p:par>
+        <p:cTn id="1" dur="indefinite" restart="never" nodeType="tmRoot"/>
+      </p:par>
+    </p:tnLst>
+  </p:timing>
+</p:sld>
+</file>
+
+<file path=ppt/slides/slide20.xml><?xml version="1.0" encoding="utf-8"?>
+<p:sld xmlns:a="http://schemas.openxmlformats.org/drawingml/2006/main" xmlns:r="http://schemas.openxmlformats.org/officeDocument/2006/relationships" xmlns:p="http://schemas.openxmlformats.org/presentationml/2006/main">
+  <p:cSld>
+    <p:spTree>
+      <p:nvGrpSpPr>
+        <p:cNvPr id="1" name=""/>
+        <p:cNvGrpSpPr/>
+        <p:nvPr/>
+      </p:nvGrpSpPr>
+      <p:grpSpPr>
+        <a:xfrm>
+          <a:off x="0" y="0"/>
+          <a:ext cx="0" cy="0"/>
+          <a:chOff x="0" y="0"/>
+          <a:chExt cx="0" cy="0"/>
+        </a:xfrm>
+      </p:grpSpPr>
+      <p:sp>
+        <p:nvSpPr>
+          <p:cNvPr id="2" name="Title 1"/>
+          <p:cNvSpPr>
+            <a:spLocks noGrp="1"/>
+          </p:cNvSpPr>
+          <p:nvPr>
+            <p:ph type="ctrTitle"/>
+          </p:nvPr>
+        </p:nvSpPr>
+        <p:spPr/>
+        <p:txBody>
+          <a:bodyPr>
+            <a:normAutofit fontScale="90000"/>
+          </a:bodyPr>
+          <a:lstStyle/>
+          <a:p>
+            <a:r>
+              <a:rPr lang="en-US" dirty="0" err="1" smtClean="0"/>
+              <a:t>Tugas</a:t>
+            </a:r>
+            <a:r>
+              <a:rPr lang="en-US" dirty="0" smtClean="0"/>
+              <a:t> </a:t>
+            </a:r>
+            <a:r>
+              <a:rPr lang="en-US" dirty="0" err="1" smtClean="0"/>
+              <a:t>Menampilkan</a:t>
+            </a:r>
+            <a:r>
+              <a:rPr lang="en-US" dirty="0" smtClean="0"/>
+              <a:t> Data </a:t>
+            </a:r>
+            <a:r>
+              <a:rPr lang="en-US" dirty="0" err="1" smtClean="0"/>
+              <a:t>Desa</a:t>
+            </a:r>
+            <a:r>
+              <a:rPr lang="en-US" dirty="0" smtClean="0"/>
+              <a:t> </a:t>
+            </a:r>
+            <a:r>
+              <a:rPr lang="en-US" dirty="0" err="1" smtClean="0"/>
+              <a:t>Masing-masing</a:t>
+            </a:r>
+            <a:r>
+              <a:rPr lang="en-US" dirty="0" smtClean="0"/>
+              <a:t> </a:t>
+            </a:r>
+            <a:r>
+              <a:rPr lang="en-US" dirty="0" err="1" smtClean="0"/>
+              <a:t>pada</a:t>
+            </a:r>
+            <a:r>
+              <a:rPr lang="en-US" dirty="0"/>
+              <a:t> </a:t>
+            </a:r>
+            <a:r>
+              <a:rPr lang="en-US" dirty="0" err="1" smtClean="0"/>
+              <a:t>Halaman</a:t>
+            </a:r>
+            <a:r>
+              <a:rPr lang="en-US" dirty="0" smtClean="0"/>
+              <a:t> Web</a:t>
+            </a:r>
+            <a:endParaRPr lang="en-US" dirty="0"/>
+          </a:p>
+        </p:txBody>
+      </p:sp>
+      <p:sp>
+        <p:nvSpPr>
+          <p:cNvPr id="3" name="Subtitle 2"/>
+          <p:cNvSpPr>
+            <a:spLocks noGrp="1"/>
+          </p:cNvSpPr>
+          <p:nvPr>
+            <p:ph type="subTitle" idx="1"/>
+          </p:nvPr>
+        </p:nvSpPr>
+        <p:spPr/>
+        <p:txBody>
+          <a:bodyPr/>
+          <a:lstStyle/>
+          <a:p>
+            <a:r>
+              <a:rPr lang="en-US" dirty="0" err="1" smtClean="0"/>
+              <a:t>Ketentuan</a:t>
+            </a:r>
+            <a:r>
+              <a:rPr lang="en-US" dirty="0" smtClean="0"/>
+              <a:t> :</a:t>
+            </a:r>
+          </a:p>
+          <a:p>
+            <a:pPr marL="457200" indent="-457200">
+              <a:buAutoNum type="arabicPeriod"/>
+            </a:pPr>
+            <a:r>
+              <a:rPr lang="en-US" dirty="0" smtClean="0"/>
+              <a:t>Data di Upload di </a:t>
+            </a:r>
+            <a:r>
+              <a:rPr lang="en-US" dirty="0" err="1" smtClean="0"/>
+              <a:t>github</a:t>
+            </a:r>
+            <a:r>
+              <a:rPr lang="en-US" dirty="0" smtClean="0"/>
+              <a:t> </a:t>
+            </a:r>
+            <a:r>
+              <a:rPr lang="en-US" dirty="0" err="1" smtClean="0"/>
+              <a:t>dan</a:t>
+            </a:r>
+            <a:r>
+              <a:rPr lang="en-US" dirty="0" smtClean="0"/>
+              <a:t> </a:t>
+            </a:r>
+            <a:r>
+              <a:rPr lang="en-US" dirty="0" err="1" smtClean="0"/>
+              <a:t>disertai</a:t>
+            </a:r>
+            <a:r>
+              <a:rPr lang="en-US" dirty="0" smtClean="0"/>
+              <a:t> </a:t>
+            </a:r>
+            <a:r>
+              <a:rPr lang="en-US" dirty="0" err="1" smtClean="0"/>
+              <a:t>dengan</a:t>
+            </a:r>
+            <a:r>
+              <a:rPr lang="en-US" dirty="0" smtClean="0"/>
+              <a:t> </a:t>
+            </a:r>
+            <a:r>
+              <a:rPr lang="en-US" smtClean="0"/>
+              <a:t>gambarnya</a:t>
+            </a:r>
+            <a:endParaRPr lang="en-US" dirty="0" smtClean="0"/>
+          </a:p>
+          <a:p>
+            <a:pPr marL="457200" indent="-457200">
+              <a:buAutoNum type="arabicPeriod"/>
+            </a:pPr>
+            <a:r>
+              <a:rPr lang="en-US" dirty="0" smtClean="0"/>
+              <a:t>Link di </a:t>
+            </a:r>
+            <a:r>
+              <a:rPr lang="en-US" dirty="0" err="1" smtClean="0"/>
+              <a:t>kirim</a:t>
+            </a:r>
+            <a:r>
+              <a:rPr lang="en-US" dirty="0" smtClean="0"/>
+              <a:t> </a:t>
+            </a:r>
+            <a:r>
+              <a:rPr lang="en-US" dirty="0" err="1" smtClean="0"/>
+              <a:t>ke</a:t>
+            </a:r>
+            <a:r>
+              <a:rPr lang="en-US" dirty="0" smtClean="0"/>
+              <a:t> email </a:t>
+            </a:r>
+            <a:endParaRPr lang="en-US" dirty="0"/>
+          </a:p>
+        </p:txBody>
+      </p:sp>
+    </p:spTree>
+    <p:extLst>
+      <p:ext uri="{BB962C8B-B14F-4D97-AF65-F5344CB8AC3E}">
+        <p14:creationId xmlns:p14="http://schemas.microsoft.com/office/powerpoint/2010/main" val="320585912"/>
       </p:ext>
     </p:extLst>
   </p:cSld>
@@ -3641,6 +4531,13 @@
   <p:clrMapOvr>
     <a:masterClrMapping/>
   </p:clrMapOvr>
+  <p:timing>
+    <p:tnLst>
+      <p:par>
+        <p:cTn id="1" dur="indefinite" restart="never" nodeType="tmRoot"/>
+      </p:par>
+    </p:tnLst>
+  </p:timing>
 </p:sld>
 </file>
 
@@ -3695,6 +4592,13 @@
   <p:clrMapOvr>
     <a:masterClrMapping/>
   </p:clrMapOvr>
+  <p:timing>
+    <p:tnLst>
+      <p:par>
+        <p:cTn id="1" dur="indefinite" restart="never" nodeType="tmRoot"/>
+      </p:par>
+    </p:tnLst>
+  </p:timing>
 </p:sld>
 </file>
 
@@ -3751,6 +4655,13 @@
   <p:clrMapOvr>
     <a:masterClrMapping/>
   </p:clrMapOvr>
+  <p:timing>
+    <p:tnLst>
+      <p:par>
+        <p:cTn id="1" dur="indefinite" restart="never" nodeType="tmRoot"/>
+      </p:par>
+    </p:tnLst>
+  </p:timing>
 </p:sld>
 </file>
 
@@ -3804,6 +4715,13 @@
   <p:clrMapOvr>
     <a:masterClrMapping/>
   </p:clrMapOvr>
+  <p:timing>
+    <p:tnLst>
+      <p:par>
+        <p:cTn id="1" dur="indefinite" restart="never" nodeType="tmRoot"/>
+      </p:par>
+    </p:tnLst>
+  </p:timing>
 </p:sld>
 </file>
 
@@ -3858,6 +4776,13 @@
   <p:clrMapOvr>
     <a:masterClrMapping/>
   </p:clrMapOvr>
+  <p:timing>
+    <p:tnLst>
+      <p:par>
+        <p:cTn id="1" dur="indefinite" restart="never" nodeType="tmRoot"/>
+      </p:par>
+    </p:tnLst>
+  </p:timing>
 </p:sld>
 </file>
 
@@ -3918,7 +4843,17 @@
           <a:p>
             <a:r>
               <a:rPr lang="en-US" dirty="0" smtClean="0"/>
-              <a:t>Download leaflet </a:t>
+              <a:t>Download </a:t>
+            </a:r>
+            <a:r>
+              <a:rPr lang="en-US" dirty="0" smtClean="0">
+                <a:hlinkClick r:id="rId2"/>
+              </a:rPr>
+              <a:t>leaflet</a:t>
+            </a:r>
+            <a:r>
+              <a:rPr lang="en-US" dirty="0" smtClean="0"/>
+              <a:t> </a:t>
             </a:r>
             <a:r>
               <a:rPr lang="en-US" dirty="0" err="1" smtClean="0"/>
@@ -3926,13 +4861,26 @@
             </a:r>
             <a:r>
               <a:rPr lang="en-US" dirty="0" smtClean="0"/>
-              <a:t>  bootstrap</a:t>
-            </a:r>
-          </a:p>
-          <a:p>
-            <a:r>
-              <a:rPr lang="en-US" dirty="0" smtClean="0"/>
-              <a:t>Text editor sublime text </a:t>
+              <a:t>  </a:t>
+            </a:r>
+            <a:r>
+              <a:rPr lang="en-US" dirty="0" smtClean="0">
+                <a:hlinkClick r:id="rId3"/>
+              </a:rPr>
+              <a:t>bootstrap</a:t>
+            </a:r>
+            <a:endParaRPr lang="en-US" dirty="0" smtClean="0"/>
+          </a:p>
+          <a:p>
+            <a:r>
+              <a:rPr lang="en-US" dirty="0" smtClean="0"/>
+              <a:t>Text editor </a:t>
+            </a:r>
+            <a:r>
+              <a:rPr lang="en-US" dirty="0" smtClean="0">
+                <a:hlinkClick r:id="rId4"/>
+              </a:rPr>
+              <a:t>sublime text </a:t>
             </a:r>
             <a:r>
               <a:rPr lang="en-US" dirty="0" err="1" smtClean="0"/>
@@ -3990,6 +4938,13 @@
   <p:clrMapOvr>
     <a:masterClrMapping/>
   </p:clrMapOvr>
+  <p:timing>
+    <p:tnLst>
+      <p:par>
+        <p:cTn id="1" dur="indefinite" restart="never" nodeType="tmRoot"/>
+      </p:par>
+    </p:tnLst>
+  </p:timing>
 </p:sld>
 </file>
 
@@ -4044,6 +4999,13 @@
   <p:clrMapOvr>
     <a:masterClrMapping/>
   </p:clrMapOvr>
+  <p:timing>
+    <p:tnLst>
+      <p:par>
+        <p:cTn id="1" dur="indefinite" restart="never" nodeType="tmRoot"/>
+      </p:par>
+    </p:tnLst>
+  </p:timing>
 </p:sld>
 </file>
 

--- a/SIG Pertemuan IV.pptx
+++ b/SIG Pertemuan IV.pptx
@@ -25,6 +25,7 @@
     <p:sldId id="275" r:id="rId19"/>
     <p:sldId id="268" r:id="rId20"/>
     <p:sldId id="269" r:id="rId21"/>
+    <p:sldId id="276" r:id="rId22"/>
   </p:sldIdLst>
   <p:sldSz cx="12192000" cy="6858000"/>
   <p:notesSz cx="6858000" cy="9144000"/>
@@ -4193,6 +4194,13 @@
   <p:clrMapOvr>
     <a:masterClrMapping/>
   </p:clrMapOvr>
+  <p:timing>
+    <p:tnLst>
+      <p:par>
+        <p:cTn id="1" dur="indefinite" restart="never" nodeType="tmRoot"/>
+      </p:par>
+    </p:tnLst>
+  </p:timing>
 </p:sld>
 </file>
 
@@ -4434,7 +4442,7 @@
               <a:t> </a:t>
             </a:r>
             <a:r>
-              <a:rPr lang="en-US" smtClean="0"/>
+              <a:rPr lang="en-US" dirty="0" err="1" smtClean="0"/>
               <a:t>gambarnya</a:t>
             </a:r>
             <a:endParaRPr lang="en-US" dirty="0" smtClean="0"/>
@@ -4477,6 +4485,379 @@
   <p:clrMapOvr>
     <a:masterClrMapping/>
   </p:clrMapOvr>
+  <p:timing>
+    <p:tnLst>
+      <p:par>
+        <p:cTn id="1" dur="indefinite" restart="never" nodeType="tmRoot"/>
+      </p:par>
+    </p:tnLst>
+  </p:timing>
+</p:sld>
+</file>
+
+<file path=ppt/slides/slide21.xml><?xml version="1.0" encoding="utf-8"?>
+<p:sld xmlns:a="http://schemas.openxmlformats.org/drawingml/2006/main" xmlns:r="http://schemas.openxmlformats.org/officeDocument/2006/relationships" xmlns:p="http://schemas.openxmlformats.org/presentationml/2006/main">
+  <p:cSld>
+    <p:spTree>
+      <p:nvGrpSpPr>
+        <p:cNvPr id="1" name=""/>
+        <p:cNvGrpSpPr/>
+        <p:nvPr/>
+      </p:nvGrpSpPr>
+      <p:grpSpPr>
+        <a:xfrm>
+          <a:off x="0" y="0"/>
+          <a:ext cx="0" cy="0"/>
+          <a:chOff x="0" y="0"/>
+          <a:chExt cx="0" cy="0"/>
+        </a:xfrm>
+      </p:grpSpPr>
+      <p:sp>
+        <p:nvSpPr>
+          <p:cNvPr id="2" name="Title 1"/>
+          <p:cNvSpPr>
+            <a:spLocks noGrp="1"/>
+          </p:cNvSpPr>
+          <p:nvPr>
+            <p:ph type="ctrTitle"/>
+          </p:nvPr>
+        </p:nvSpPr>
+        <p:spPr/>
+        <p:txBody>
+          <a:bodyPr>
+            <a:normAutofit fontScale="90000"/>
+          </a:bodyPr>
+          <a:lstStyle/>
+          <a:p>
+            <a:r>
+              <a:rPr lang="en-US" dirty="0" err="1" smtClean="0"/>
+              <a:t>Tugas</a:t>
+            </a:r>
+            <a:r>
+              <a:rPr lang="en-US" dirty="0" smtClean="0"/>
+              <a:t> </a:t>
+            </a:r>
+            <a:r>
+              <a:rPr lang="en-US" dirty="0" err="1" smtClean="0"/>
+              <a:t>Menampilkan</a:t>
+            </a:r>
+            <a:r>
+              <a:rPr lang="en-US" dirty="0" smtClean="0"/>
+              <a:t> Data </a:t>
+            </a:r>
+            <a:r>
+              <a:rPr lang="en-US" dirty="0" err="1" smtClean="0"/>
+              <a:t>Desa</a:t>
+            </a:r>
+            <a:r>
+              <a:rPr lang="en-US" dirty="0" smtClean="0"/>
+              <a:t> </a:t>
+            </a:r>
+            <a:r>
+              <a:rPr lang="en-US" dirty="0" err="1" smtClean="0"/>
+              <a:t>Masing-masing</a:t>
+            </a:r>
+            <a:r>
+              <a:rPr lang="en-US" dirty="0" smtClean="0"/>
+              <a:t> </a:t>
+            </a:r>
+            <a:r>
+              <a:rPr lang="en-US" dirty="0" err="1" smtClean="0"/>
+              <a:t>pada</a:t>
+            </a:r>
+            <a:r>
+              <a:rPr lang="en-US" dirty="0"/>
+              <a:t> </a:t>
+            </a:r>
+            <a:r>
+              <a:rPr lang="en-US" dirty="0" err="1" smtClean="0"/>
+              <a:t>Halaman</a:t>
+            </a:r>
+            <a:r>
+              <a:rPr lang="en-US" dirty="0" smtClean="0"/>
+              <a:t> </a:t>
+            </a:r>
+            <a:r>
+              <a:rPr lang="en-US" dirty="0" smtClean="0"/>
+              <a:t>Web </a:t>
+            </a:r>
+            <a:r>
+              <a:rPr lang="en-US" dirty="0" err="1" smtClean="0"/>
+              <a:t>Menggunakan</a:t>
+            </a:r>
+            <a:r>
+              <a:rPr lang="en-US" dirty="0" smtClean="0"/>
+              <a:t> </a:t>
+            </a:r>
+            <a:r>
+              <a:rPr lang="en-US" dirty="0" err="1" smtClean="0"/>
+              <a:t>CodeIngiter</a:t>
+            </a:r>
+            <a:endParaRPr lang="en-US" dirty="0"/>
+          </a:p>
+        </p:txBody>
+      </p:sp>
+      <p:sp>
+        <p:nvSpPr>
+          <p:cNvPr id="3" name="Subtitle 2"/>
+          <p:cNvSpPr>
+            <a:spLocks noGrp="1"/>
+          </p:cNvSpPr>
+          <p:nvPr>
+            <p:ph type="subTitle" idx="1"/>
+          </p:nvPr>
+        </p:nvSpPr>
+        <p:spPr>
+          <a:xfrm>
+            <a:off x="1524000" y="3602037"/>
+            <a:ext cx="9144000" cy="2634989"/>
+          </a:xfrm>
+        </p:spPr>
+        <p:txBody>
+          <a:bodyPr>
+            <a:normAutofit/>
+          </a:bodyPr>
+          <a:lstStyle/>
+          <a:p>
+            <a:r>
+              <a:rPr lang="en-US" dirty="0" err="1" smtClean="0"/>
+              <a:t>Ketentuan</a:t>
+            </a:r>
+            <a:r>
+              <a:rPr lang="en-US" dirty="0" smtClean="0"/>
+              <a:t> :</a:t>
+            </a:r>
+          </a:p>
+          <a:p>
+            <a:pPr marL="457200" indent="-457200">
+              <a:buAutoNum type="arabicPeriod"/>
+            </a:pPr>
+            <a:r>
+              <a:rPr lang="en-US" dirty="0" smtClean="0"/>
+              <a:t>Data di Upload di </a:t>
+            </a:r>
+            <a:r>
+              <a:rPr lang="en-US" dirty="0" err="1" smtClean="0"/>
+              <a:t>github</a:t>
+            </a:r>
+            <a:r>
+              <a:rPr lang="en-US" dirty="0" smtClean="0"/>
+              <a:t> </a:t>
+            </a:r>
+            <a:r>
+              <a:rPr lang="en-US" dirty="0" err="1" smtClean="0"/>
+              <a:t>dan</a:t>
+            </a:r>
+            <a:r>
+              <a:rPr lang="en-US" dirty="0" smtClean="0"/>
+              <a:t> </a:t>
+            </a:r>
+            <a:r>
+              <a:rPr lang="en-US" dirty="0" err="1" smtClean="0"/>
+              <a:t>disertai</a:t>
+            </a:r>
+            <a:r>
+              <a:rPr lang="en-US" dirty="0" smtClean="0"/>
+              <a:t> </a:t>
+            </a:r>
+            <a:r>
+              <a:rPr lang="en-US" dirty="0" err="1" smtClean="0"/>
+              <a:t>dengan</a:t>
+            </a:r>
+            <a:r>
+              <a:rPr lang="en-US" dirty="0" smtClean="0"/>
+              <a:t> </a:t>
+            </a:r>
+            <a:r>
+              <a:rPr lang="en-US" dirty="0" err="1" smtClean="0"/>
+              <a:t>gambarnya</a:t>
+            </a:r>
+            <a:endParaRPr lang="en-US" dirty="0" smtClean="0"/>
+          </a:p>
+          <a:p>
+            <a:pPr marL="457200" indent="-457200">
+              <a:buAutoNum type="arabicPeriod"/>
+            </a:pPr>
+            <a:r>
+              <a:rPr lang="en-US" dirty="0" err="1" smtClean="0"/>
+              <a:t>Menampilkan</a:t>
+            </a:r>
+            <a:r>
+              <a:rPr lang="en-US" dirty="0" smtClean="0"/>
+              <a:t> </a:t>
+            </a:r>
+            <a:r>
+              <a:rPr lang="en-US" dirty="0" err="1" smtClean="0"/>
+              <a:t>masing-masing</a:t>
+            </a:r>
+            <a:r>
+              <a:rPr lang="en-US" dirty="0" smtClean="0"/>
+              <a:t> data </a:t>
+            </a:r>
+            <a:r>
+              <a:rPr lang="en-US" dirty="0" err="1" smtClean="0"/>
+              <a:t>pasilitas</a:t>
+            </a:r>
+            <a:r>
+              <a:rPr lang="en-US" dirty="0" smtClean="0"/>
+              <a:t> </a:t>
+            </a:r>
+            <a:r>
+              <a:rPr lang="en-US" dirty="0" err="1" smtClean="0"/>
+              <a:t>umum</a:t>
+            </a:r>
+            <a:r>
+              <a:rPr lang="en-US" dirty="0" smtClean="0"/>
+              <a:t> </a:t>
+            </a:r>
+            <a:r>
+              <a:rPr lang="en-US" dirty="0" err="1" smtClean="0"/>
+              <a:t>seperti</a:t>
+            </a:r>
+            <a:r>
+              <a:rPr lang="en-US" dirty="0" smtClean="0"/>
+              <a:t> masjid, </a:t>
+            </a:r>
+            <a:r>
+              <a:rPr lang="en-US" dirty="0" err="1" smtClean="0"/>
+              <a:t>pasar</a:t>
+            </a:r>
+            <a:r>
+              <a:rPr lang="en-US" dirty="0" smtClean="0"/>
+              <a:t>, </a:t>
+            </a:r>
+            <a:r>
+              <a:rPr lang="en-US" dirty="0" err="1" smtClean="0"/>
+              <a:t>sekolah</a:t>
+            </a:r>
+            <a:r>
+              <a:rPr lang="en-US" dirty="0" smtClean="0"/>
+              <a:t>, </a:t>
+            </a:r>
+            <a:r>
+              <a:rPr lang="en-US" dirty="0" err="1" smtClean="0"/>
+              <a:t>atm</a:t>
+            </a:r>
+            <a:r>
+              <a:rPr lang="en-US" dirty="0" smtClean="0"/>
+              <a:t>, </a:t>
+            </a:r>
+            <a:r>
+              <a:rPr lang="en-US" dirty="0" err="1" smtClean="0"/>
+              <a:t>lapangan</a:t>
+            </a:r>
+            <a:r>
+              <a:rPr lang="en-US" dirty="0"/>
+              <a:t> </a:t>
+            </a:r>
+            <a:r>
+              <a:rPr lang="en-US" dirty="0" err="1" smtClean="0"/>
+              <a:t>umum</a:t>
+            </a:r>
+            <a:r>
+              <a:rPr lang="en-US" dirty="0" smtClean="0"/>
+              <a:t>, </a:t>
+            </a:r>
+            <a:r>
+              <a:rPr lang="en-US" dirty="0" err="1" smtClean="0"/>
+              <a:t>tempat</a:t>
+            </a:r>
+            <a:r>
+              <a:rPr lang="en-US" dirty="0" smtClean="0"/>
+              <a:t> </a:t>
+            </a:r>
+            <a:r>
+              <a:rPr lang="en-US" dirty="0" err="1" smtClean="0"/>
+              <a:t>bermasin</a:t>
+            </a:r>
+            <a:r>
+              <a:rPr lang="en-US" dirty="0" smtClean="0"/>
+              <a:t>, </a:t>
+            </a:r>
+          </a:p>
+          <a:p>
+            <a:pPr marL="457200" indent="-457200">
+              <a:buAutoNum type="arabicPeriod"/>
+            </a:pPr>
+            <a:r>
+              <a:rPr lang="en-US" dirty="0" err="1" smtClean="0"/>
+              <a:t>Buat</a:t>
+            </a:r>
+            <a:r>
+              <a:rPr lang="en-US" dirty="0" smtClean="0"/>
+              <a:t> database </a:t>
+            </a:r>
+            <a:r>
+              <a:rPr lang="en-US" dirty="0" err="1" smtClean="0"/>
+              <a:t>dengan</a:t>
+            </a:r>
+            <a:r>
+              <a:rPr lang="en-US" dirty="0" smtClean="0"/>
+              <a:t> </a:t>
+            </a:r>
+            <a:r>
+              <a:rPr lang="en-US" dirty="0" err="1" smtClean="0"/>
+              <a:t>nama</a:t>
+            </a:r>
+            <a:r>
+              <a:rPr lang="en-US" dirty="0" smtClean="0"/>
+              <a:t> </a:t>
+            </a:r>
+            <a:r>
+              <a:rPr lang="en-US" dirty="0" err="1" smtClean="0"/>
+              <a:t>gis</a:t>
+            </a:r>
+            <a:endParaRPr lang="en-US" dirty="0" smtClean="0"/>
+          </a:p>
+          <a:p>
+            <a:pPr marL="457200" indent="-457200">
+              <a:buAutoNum type="arabicPeriod"/>
+            </a:pPr>
+            <a:r>
+              <a:rPr lang="en-US" dirty="0" err="1" smtClean="0"/>
+              <a:t>Buat</a:t>
+            </a:r>
+            <a:r>
+              <a:rPr lang="en-US" dirty="0" smtClean="0"/>
+              <a:t> </a:t>
+            </a:r>
+            <a:r>
+              <a:rPr lang="en-US" dirty="0" err="1" smtClean="0"/>
+              <a:t>halaman</a:t>
+            </a:r>
+            <a:r>
+              <a:rPr lang="en-US" dirty="0" smtClean="0"/>
+              <a:t> </a:t>
+            </a:r>
+            <a:r>
+              <a:rPr lang="en-US" dirty="0" err="1" smtClean="0"/>
+              <a:t>adminnya</a:t>
+            </a:r>
+            <a:r>
+              <a:rPr lang="en-US" dirty="0" smtClean="0"/>
+              <a:t> / dashboard</a:t>
+            </a:r>
+            <a:endParaRPr lang="en-US" dirty="0"/>
+          </a:p>
+        </p:txBody>
+      </p:sp>
+    </p:spTree>
+    <p:extLst>
+      <p:ext uri="{BB962C8B-B14F-4D97-AF65-F5344CB8AC3E}">
+        <p14:creationId xmlns:p14="http://schemas.microsoft.com/office/powerpoint/2010/main" val="566637213"/>
+      </p:ext>
+    </p:extLst>
+  </p:cSld>
+  <p:clrMapOvr>
+    <a:masterClrMapping/>
+  </p:clrMapOvr>
+  <p:timing>
+    <p:tnLst>
+      <p:par>
+        <p:cTn id="1" dur="indefinite" restart="never" nodeType="tmRoot"/>
+      </p:par>
+    </p:tnLst>
+  </p:timing>
 </p:sld>
 </file>
 
